--- a/Wavelets/ap_final.pptx
+++ b/Wavelets/ap_final.pptx
@@ -4681,7 +4681,7 @@
         <p:spPr>
           <a:xfrm>
             <a:off x="581192" y="2180496"/>
-            <a:ext cx="6062889" cy="3678303"/>
+            <a:ext cx="6062889" cy="4455196"/>
           </a:xfrm>
         </p:spPr>
         <p:txBody>
@@ -4736,6 +4736,28 @@
             <a:r>
               <a:rPr lang="pt-BR" sz="2400" dirty="0"/>
               <a:t>LBG com método de Divisão para a inicialização dos vetores</a:t>
+            </a:r>
+          </a:p>
+          <a:p>
+            <a:r>
+              <a:rPr lang="pt-BR" sz="2400" dirty="0"/>
+              <a:t>Cada </a:t>
+            </a:r>
+            <a:r>
+              <a:rPr lang="pt-BR" sz="2400" dirty="0" err="1"/>
+              <a:t>subbanda</a:t>
+            </a:r>
+            <a:r>
+              <a:rPr lang="pt-BR" sz="2400" dirty="0"/>
+              <a:t> tem sua própria configuração de tamanho de </a:t>
+            </a:r>
+            <a:r>
+              <a:rPr lang="pt-BR" sz="2400" dirty="0" err="1"/>
+              <a:t>codebook</a:t>
+            </a:r>
+            <a:r>
+              <a:rPr lang="pt-BR" sz="2400" dirty="0"/>
+              <a:t> e bloco</a:t>
             </a:r>
           </a:p>
         </p:txBody>
@@ -6004,7 +6026,7 @@
         </p:spPr>
         <p:txBody>
           <a:bodyPr>
-            <a:normAutofit fontScale="92500" lnSpcReduction="20000"/>
+            <a:normAutofit fontScale="77500" lnSpcReduction="20000"/>
           </a:bodyPr>
           <a:lstStyle/>
           <a:p>
@@ -6040,26 +6062,43 @@
             </a:r>
             <a:r>
               <a:rPr lang="pt-BR" sz="2400" dirty="0"/>
-              <a:t>: MSE e R teórico e prático</a:t>
+              <a:t>: MSE e R </a:t>
             </a:r>
           </a:p>
           <a:p>
             <a:r>
               <a:rPr lang="pt-BR" sz="2800" dirty="0"/>
+              <a:t>R teórico ou prático</a:t>
+            </a:r>
+          </a:p>
+          <a:p>
+            <a:r>
+              <a:rPr lang="pt-BR" sz="3200" dirty="0"/>
               <a:t>Guardar o desempenho médio de cada </a:t>
+            </a:r>
+            <a:r>
+              <a:rPr lang="pt-BR" sz="3200" dirty="0" err="1"/>
+              <a:t>codebook</a:t>
+            </a:r>
+            <a:r>
+              <a:rPr lang="pt-BR" sz="3200" dirty="0"/>
+              <a:t> para cada </a:t>
+            </a:r>
+            <a:r>
+              <a:rPr lang="pt-BR" sz="3200" dirty="0" err="1"/>
+              <a:t>sub-banda</a:t>
+            </a:r>
+            <a:endParaRPr lang="pt-BR" sz="3200" dirty="0"/>
+          </a:p>
+          <a:p>
+            <a:r>
+              <a:rPr lang="pt-BR" sz="2800" dirty="0"/>
+              <a:t>Guardar histograma de cada </a:t>
             </a:r>
             <a:r>
               <a:rPr lang="pt-BR" sz="2800" dirty="0" err="1"/>
               <a:t>codebook</a:t>
             </a:r>
-            <a:r>
-              <a:rPr lang="pt-BR" sz="2800" dirty="0"/>
-              <a:t> para cada </a:t>
-            </a:r>
-            <a:r>
-              <a:rPr lang="pt-BR" sz="2800" dirty="0" err="1"/>
-              <a:t>sub-banda</a:t>
-            </a:r>
             <a:endParaRPr lang="pt-BR" sz="2800" dirty="0"/>
           </a:p>
           <a:p>
@@ -6070,45 +6109,76 @@
           </a:p>
         </p:txBody>
       </p:sp>
-      <p:cxnSp>
-        <p:nvCxnSpPr>
-          <p:cNvPr id="29" name="Straight Connector 28">
+      <p:sp>
+        <p:nvSpPr>
+          <p:cNvPr id="3" name="TextBox 2">
             <a:extLst>
               <a:ext uri="{FF2B5EF4-FFF2-40B4-BE49-F238E27FC236}">
-                <a16:creationId xmlns:a16="http://schemas.microsoft.com/office/drawing/2014/main" id="{274BE22C-6B10-D867-FF15-0611F26DCADE}"/>
+                <a16:creationId xmlns:a16="http://schemas.microsoft.com/office/drawing/2014/main" id="{7B3C5238-6C1F-83EF-9092-6155EE0BEDA9}"/>
               </a:ext>
             </a:extLst>
           </p:cNvPr>
-          <p:cNvCxnSpPr>
-            <a:cxnSpLocks/>
-          </p:cNvCxnSpPr>
+          <p:cNvSpPr txBox="1"/>
           <p:nvPr/>
-        </p:nvCxnSpPr>
-        <p:spPr>
-          <a:xfrm>
-            <a:off x="5066950" y="4857226"/>
-            <a:ext cx="3657600" cy="1823135"/>
-          </a:xfrm>
-          <a:prstGeom prst="line">
+        </p:nvSpPr>
+        <p:spPr>
+          <a:xfrm>
+            <a:off x="5083728" y="1811164"/>
+            <a:ext cx="585417" cy="369332"/>
+          </a:xfrm>
+          <a:prstGeom prst="rect">
             <a:avLst/>
           </a:prstGeom>
-          <a:ln w="57150"/>
-        </p:spPr>
-        <p:style>
-          <a:lnRef idx="1">
-            <a:schemeClr val="accent4"/>
-          </a:lnRef>
-          <a:fillRef idx="0">
-            <a:schemeClr val="accent4"/>
-          </a:fillRef>
-          <a:effectRef idx="0">
-            <a:schemeClr val="accent4"/>
-          </a:effectRef>
-          <a:fontRef idx="minor">
-            <a:schemeClr val="tx1"/>
-          </a:fontRef>
-        </p:style>
-      </p:cxnSp>
+          <a:noFill/>
+        </p:spPr>
+        <p:txBody>
+          <a:bodyPr wrap="none" rtlCol="0">
+            <a:spAutoFit/>
+          </a:bodyPr>
+          <a:lstStyle/>
+          <a:p>
+            <a:r>
+              <a:rPr lang="pt-BR" dirty="0"/>
+              <a:t>MSE</a:t>
+            </a:r>
+          </a:p>
+        </p:txBody>
+      </p:sp>
+      <p:sp>
+        <p:nvSpPr>
+          <p:cNvPr id="7" name="TextBox 6">
+            <a:extLst>
+              <a:ext uri="{FF2B5EF4-FFF2-40B4-BE49-F238E27FC236}">
+                <a16:creationId xmlns:a16="http://schemas.microsoft.com/office/drawing/2014/main" id="{1DA7B46D-3F6C-F84D-A927-D34B4D945294}"/>
+              </a:ext>
+            </a:extLst>
+          </p:cNvPr>
+          <p:cNvSpPr txBox="1"/>
+          <p:nvPr/>
+        </p:nvSpPr>
+        <p:spPr>
+          <a:xfrm>
+            <a:off x="8164294" y="6400487"/>
+            <a:ext cx="324128" cy="369332"/>
+          </a:xfrm>
+          <a:prstGeom prst="rect">
+            <a:avLst/>
+          </a:prstGeom>
+          <a:noFill/>
+        </p:spPr>
+        <p:txBody>
+          <a:bodyPr wrap="none" rtlCol="0">
+            <a:spAutoFit/>
+          </a:bodyPr>
+          <a:lstStyle/>
+          <a:p>
+            <a:r>
+              <a:rPr lang="pt-BR" dirty="0"/>
+              <a:t>R</a:t>
+            </a:r>
+          </a:p>
+        </p:txBody>
+      </p:sp>
     </p:spTree>
     <p:extLst>
       <p:ext uri="{BB962C8B-B14F-4D97-AF65-F5344CB8AC3E}">
@@ -6198,7 +6268,7 @@
         </p:spPr>
         <p:txBody>
           <a:bodyPr>
-            <a:normAutofit lnSpcReduction="10000"/>
+            <a:normAutofit/>
           </a:bodyPr>
           <a:lstStyle/>
           <a:p>
@@ -6218,22 +6288,23 @@
           <a:p>
             <a:pPr lvl="1"/>
             <a:r>
-              <a:rPr lang="pt-BR" sz="2800" dirty="0"/>
-              <a:t>Obter o fecho convexo dos desempenhos  obtidos na etapa de avaliação (treino)</a:t>
-            </a:r>
-          </a:p>
-          <a:p>
-            <a:pPr lvl="2"/>
-            <a:r>
-              <a:rPr lang="pt-BR" sz="2400" dirty="0"/>
-              <a:t>Para cada ponto do fecho, calcular o custo </a:t>
-            </a:r>
-            <a:r>
-              <a:rPr lang="pt-BR" sz="2400" dirty="0" err="1"/>
+              <a:rPr lang="pt-BR" sz="2600" dirty="0"/>
+              <a:t>Selecionar o melhor </a:t>
+            </a:r>
+            <a:r>
+              <a:rPr lang="pt-BR" sz="2600" dirty="0" err="1"/>
+              <a:t>codebook</a:t>
+            </a:r>
+            <a:r>
+              <a:rPr lang="pt-BR" sz="2600" dirty="0"/>
+              <a:t> com o </a:t>
+            </a:r>
+            <a:r>
+              <a:rPr lang="pt-BR" sz="2600" dirty="0" err="1"/>
               <a:t>Lagrangiano</a:t>
             </a:r>
             <a:r>
-              <a:rPr lang="pt-BR" sz="2400" dirty="0"/>
+              <a:rPr lang="pt-BR" sz="2600" dirty="0"/>
               <a:t> para a imagem de teste:</a:t>
             </a:r>
           </a:p>
@@ -6511,6 +6582,17 @@
           <a:p>
             <a:r>
               <a:rPr lang="pt-BR" sz="3200" dirty="0"/>
+              <a:t>Decodificação com o histograma fixo por </a:t>
+            </a:r>
+            <a:r>
+              <a:rPr lang="pt-BR" sz="3200" dirty="0" err="1"/>
+              <a:t>subbanda</a:t>
+            </a:r>
+            <a:endParaRPr lang="pt-BR" sz="3200" dirty="0"/>
+          </a:p>
+          <a:p>
+            <a:r>
+              <a:rPr lang="pt-BR" sz="3200" dirty="0"/>
               <a:t>Síntese</a:t>
             </a:r>
           </a:p>
@@ -6660,7 +6742,7 @@
         </p:blipFill>
         <p:spPr>
           <a:xfrm>
-            <a:off x="475375" y="1853967"/>
+            <a:off x="224196" y="1781313"/>
             <a:ext cx="11428603" cy="5081178"/>
           </a:xfrm>
           <a:prstGeom prst="rect">

--- a/Wavelets/ap_final.pptx
+++ b/Wavelets/ap_final.pptx
@@ -6026,84 +6026,87 @@
         </p:spPr>
         <p:txBody>
           <a:bodyPr>
-            <a:normAutofit fontScale="77500" lnSpcReduction="20000"/>
+            <a:noAutofit/>
           </a:bodyPr>
           <a:lstStyle/>
           <a:p>
             <a:r>
-              <a:rPr lang="pt-BR" sz="2800" dirty="0"/>
+              <a:rPr lang="pt-BR" sz="2200" dirty="0"/>
               <a:t>Para cada imagem do conjunto de treinamento:</a:t>
             </a:r>
           </a:p>
           <a:p>
             <a:pPr lvl="1"/>
             <a:r>
-              <a:rPr lang="pt-BR" sz="2400" dirty="0"/>
+              <a:rPr lang="pt-BR" sz="2200" dirty="0"/>
               <a:t>Para cada </a:t>
             </a:r>
             <a:r>
-              <a:rPr lang="pt-BR" sz="2400" dirty="0" err="1"/>
+              <a:rPr lang="pt-BR" sz="2200" dirty="0" err="1"/>
               <a:t>sub-banda</a:t>
             </a:r>
             <a:r>
-              <a:rPr lang="pt-BR" sz="2400" dirty="0"/>
+              <a:rPr lang="pt-BR" sz="2200" dirty="0"/>
               <a:t>:</a:t>
             </a:r>
           </a:p>
           <a:p>
             <a:pPr lvl="2"/>
             <a:r>
-              <a:rPr lang="pt-BR" sz="2400" dirty="0"/>
+              <a:rPr lang="pt-BR" sz="2200" dirty="0"/>
               <a:t>Avaliar desempenho de cada </a:t>
             </a:r>
             <a:r>
-              <a:rPr lang="pt-BR" sz="2400" dirty="0" err="1"/>
+              <a:rPr lang="pt-BR" sz="2200" dirty="0" err="1"/>
               <a:t>codebook</a:t>
             </a:r>
             <a:r>
-              <a:rPr lang="pt-BR" sz="2400" dirty="0"/>
-              <a:t>: MSE e R </a:t>
-            </a:r>
-          </a:p>
-          <a:p>
-            <a:r>
-              <a:rPr lang="pt-BR" sz="2800" dirty="0"/>
+              <a:rPr lang="pt-BR" sz="2200" dirty="0"/>
+              <a:t>: MSE e R</a:t>
+            </a:r>
+          </a:p>
+          <a:p>
+            <a:r>
+              <a:rPr lang="pt-BR" sz="2200" dirty="0"/>
+              <a:t>Guardar histograma de cada </a:t>
+            </a:r>
+            <a:r>
+              <a:rPr lang="pt-BR" sz="2200" dirty="0" err="1"/>
+              <a:t>codebook</a:t>
+            </a:r>
+            <a:r>
+              <a:rPr lang="pt-BR" sz="2200" dirty="0"/>
+              <a:t> </a:t>
+            </a:r>
+          </a:p>
+          <a:p>
+            <a:r>
+              <a:rPr lang="pt-BR" sz="2200" dirty="0"/>
               <a:t>R teórico ou prático</a:t>
             </a:r>
           </a:p>
           <a:p>
             <a:r>
-              <a:rPr lang="pt-BR" sz="3200" dirty="0"/>
+              <a:rPr lang="pt-BR" sz="2200" dirty="0"/>
               <a:t>Guardar o desempenho médio de cada </a:t>
             </a:r>
             <a:r>
-              <a:rPr lang="pt-BR" sz="3200" dirty="0" err="1"/>
+              <a:rPr lang="pt-BR" sz="2200" dirty="0" err="1"/>
               <a:t>codebook</a:t>
             </a:r>
             <a:r>
-              <a:rPr lang="pt-BR" sz="3200" dirty="0"/>
+              <a:rPr lang="pt-BR" sz="2200" dirty="0"/>
               <a:t> para cada </a:t>
             </a:r>
             <a:r>
-              <a:rPr lang="pt-BR" sz="3200" dirty="0" err="1"/>
+              <a:rPr lang="pt-BR" sz="2200" dirty="0" err="1"/>
               <a:t>sub-banda</a:t>
             </a:r>
-            <a:endParaRPr lang="pt-BR" sz="3200" dirty="0"/>
-          </a:p>
-          <a:p>
-            <a:r>
-              <a:rPr lang="pt-BR" sz="2800" dirty="0"/>
-              <a:t>Guardar histograma de cada </a:t>
-            </a:r>
-            <a:r>
-              <a:rPr lang="pt-BR" sz="2800" dirty="0" err="1"/>
-              <a:t>codebook</a:t>
-            </a:r>
-            <a:endParaRPr lang="pt-BR" sz="2800" dirty="0"/>
-          </a:p>
-          <a:p>
-            <a:r>
-              <a:rPr lang="pt-BR" sz="2800" dirty="0"/>
+            <a:endParaRPr lang="pt-BR" sz="2200" dirty="0"/>
+          </a:p>
+          <a:p>
+            <a:r>
+              <a:rPr lang="pt-BR" sz="2200" dirty="0"/>
               <a:t>Apenas necessário calcular uma vez</a:t>
             </a:r>
           </a:p>
